--- a/icons.pptx
+++ b/icons.pptx
@@ -7,6 +7,7 @@
   <p:sldIdLst>
     <p:sldId id="256" r:id="rId2"/>
     <p:sldId id="257" r:id="rId3"/>
+    <p:sldId id="258" r:id="rId4"/>
   </p:sldIdLst>
   <p:sldSz cx="12192000" cy="6858000"/>
   <p:notesSz cx="6858000" cy="9144000"/>
@@ -105,6 +106,11 @@
       </a:defRPr>
     </a:lvl9pPr>
   </p:defaultTextStyle>
+  <p:extLst>
+    <p:ext uri="{EFAFB233-063F-42B5-8137-9DF3F51BA10A}">
+      <p15:sldGuideLst xmlns:p15="http://schemas.microsoft.com/office/powerpoint/2012/main"/>
+    </p:ext>
+  </p:extLst>
 </p:presentation>
 </file>
 
@@ -257,7 +263,7 @@
           <a:p>
             <a:fld id="{C3A9CB7C-D850-4568-8CB2-AE3BA6223DDA}" type="datetimeFigureOut">
               <a:rPr lang="en-PH" smtClean="0"/>
-              <a:t>11/06/2020</a:t>
+              <a:t>19/06/2020</a:t>
             </a:fld>
             <a:endParaRPr lang="en-PH"/>
           </a:p>
@@ -457,7 +463,7 @@
           <a:p>
             <a:fld id="{C3A9CB7C-D850-4568-8CB2-AE3BA6223DDA}" type="datetimeFigureOut">
               <a:rPr lang="en-PH" smtClean="0"/>
-              <a:t>11/06/2020</a:t>
+              <a:t>19/06/2020</a:t>
             </a:fld>
             <a:endParaRPr lang="en-PH"/>
           </a:p>
@@ -667,7 +673,7 @@
           <a:p>
             <a:fld id="{C3A9CB7C-D850-4568-8CB2-AE3BA6223DDA}" type="datetimeFigureOut">
               <a:rPr lang="en-PH" smtClean="0"/>
-              <a:t>11/06/2020</a:t>
+              <a:t>19/06/2020</a:t>
             </a:fld>
             <a:endParaRPr lang="en-PH"/>
           </a:p>
@@ -867,7 +873,7 @@
           <a:p>
             <a:fld id="{C3A9CB7C-D850-4568-8CB2-AE3BA6223DDA}" type="datetimeFigureOut">
               <a:rPr lang="en-PH" smtClean="0"/>
-              <a:t>11/06/2020</a:t>
+              <a:t>19/06/2020</a:t>
             </a:fld>
             <a:endParaRPr lang="en-PH"/>
           </a:p>
@@ -1143,7 +1149,7 @@
           <a:p>
             <a:fld id="{C3A9CB7C-D850-4568-8CB2-AE3BA6223DDA}" type="datetimeFigureOut">
               <a:rPr lang="en-PH" smtClean="0"/>
-              <a:t>11/06/2020</a:t>
+              <a:t>19/06/2020</a:t>
             </a:fld>
             <a:endParaRPr lang="en-PH"/>
           </a:p>
@@ -1411,7 +1417,7 @@
           <a:p>
             <a:fld id="{C3A9CB7C-D850-4568-8CB2-AE3BA6223DDA}" type="datetimeFigureOut">
               <a:rPr lang="en-PH" smtClean="0"/>
-              <a:t>11/06/2020</a:t>
+              <a:t>19/06/2020</a:t>
             </a:fld>
             <a:endParaRPr lang="en-PH"/>
           </a:p>
@@ -1826,7 +1832,7 @@
           <a:p>
             <a:fld id="{C3A9CB7C-D850-4568-8CB2-AE3BA6223DDA}" type="datetimeFigureOut">
               <a:rPr lang="en-PH" smtClean="0"/>
-              <a:t>11/06/2020</a:t>
+              <a:t>19/06/2020</a:t>
             </a:fld>
             <a:endParaRPr lang="en-PH"/>
           </a:p>
@@ -1968,7 +1974,7 @@
           <a:p>
             <a:fld id="{C3A9CB7C-D850-4568-8CB2-AE3BA6223DDA}" type="datetimeFigureOut">
               <a:rPr lang="en-PH" smtClean="0"/>
-              <a:t>11/06/2020</a:t>
+              <a:t>19/06/2020</a:t>
             </a:fld>
             <a:endParaRPr lang="en-PH"/>
           </a:p>
@@ -2081,7 +2087,7 @@
           <a:p>
             <a:fld id="{C3A9CB7C-D850-4568-8CB2-AE3BA6223DDA}" type="datetimeFigureOut">
               <a:rPr lang="en-PH" smtClean="0"/>
-              <a:t>11/06/2020</a:t>
+              <a:t>19/06/2020</a:t>
             </a:fld>
             <a:endParaRPr lang="en-PH"/>
           </a:p>
@@ -2394,7 +2400,7 @@
           <a:p>
             <a:fld id="{C3A9CB7C-D850-4568-8CB2-AE3BA6223DDA}" type="datetimeFigureOut">
               <a:rPr lang="en-PH" smtClean="0"/>
-              <a:t>11/06/2020</a:t>
+              <a:t>19/06/2020</a:t>
             </a:fld>
             <a:endParaRPr lang="en-PH"/>
           </a:p>
@@ -2683,7 +2689,7 @@
           <a:p>
             <a:fld id="{C3A9CB7C-D850-4568-8CB2-AE3BA6223DDA}" type="datetimeFigureOut">
               <a:rPr lang="en-PH" smtClean="0"/>
-              <a:t>11/06/2020</a:t>
+              <a:t>19/06/2020</a:t>
             </a:fld>
             <a:endParaRPr lang="en-PH"/>
           </a:p>
@@ -2926,7 +2932,7 @@
           <a:p>
             <a:fld id="{C3A9CB7C-D850-4568-8CB2-AE3BA6223DDA}" type="datetimeFigureOut">
               <a:rPr lang="en-PH" smtClean="0"/>
-              <a:t>11/06/2020</a:t>
+              <a:t>19/06/2020</a:t>
             </a:fld>
             <a:endParaRPr lang="en-PH"/>
           </a:p>
@@ -4108,6 +4114,338 @@
 </p:sld>
 </file>
 
+<file path=ppt/slides/slide3.xml><?xml version="1.0" encoding="utf-8"?>
+<p:sld xmlns:a="http://schemas.openxmlformats.org/drawingml/2006/main" xmlns:r="http://schemas.openxmlformats.org/officeDocument/2006/relationships" xmlns:p="http://schemas.openxmlformats.org/presentationml/2006/main">
+  <p:cSld>
+    <p:spTree>
+      <p:nvGrpSpPr>
+        <p:cNvPr id="1" name=""/>
+        <p:cNvGrpSpPr/>
+        <p:nvPr/>
+      </p:nvGrpSpPr>
+      <p:grpSpPr>
+        <a:xfrm>
+          <a:off x="0" y="0"/>
+          <a:ext cx="0" cy="0"/>
+          <a:chOff x="0" y="0"/>
+          <a:chExt cx="0" cy="0"/>
+        </a:xfrm>
+      </p:grpSpPr>
+      <p:sp>
+        <p:nvSpPr>
+          <p:cNvPr id="11" name="Rectangle 10">
+            <a:extLst>
+              <a:ext uri="{FF2B5EF4-FFF2-40B4-BE49-F238E27FC236}">
+                <a16:creationId xmlns:a16="http://schemas.microsoft.com/office/drawing/2014/main" id="{255EA417-6659-4D4B-8C12-18184D6A977C}"/>
+              </a:ext>
+            </a:extLst>
+          </p:cNvPr>
+          <p:cNvSpPr/>
+          <p:nvPr/>
+        </p:nvSpPr>
+        <p:spPr>
+          <a:xfrm>
+            <a:off x="2171543" y="2403589"/>
+            <a:ext cx="3303759" cy="572977"/>
+          </a:xfrm>
+          <a:prstGeom prst="rect">
+            <a:avLst/>
+          </a:prstGeom>
+          <a:ln>
+            <a:noFill/>
+          </a:ln>
+        </p:spPr>
+        <p:style>
+          <a:lnRef idx="2">
+            <a:schemeClr val="accent1">
+              <a:shade val="50000"/>
+            </a:schemeClr>
+          </a:lnRef>
+          <a:fillRef idx="1">
+            <a:schemeClr val="accent1"/>
+          </a:fillRef>
+          <a:effectRef idx="0">
+            <a:schemeClr val="accent1"/>
+          </a:effectRef>
+          <a:fontRef idx="minor">
+            <a:schemeClr val="lt1"/>
+          </a:fontRef>
+        </p:style>
+        <p:txBody>
+          <a:bodyPr rtlCol="0" anchor="ctr"/>
+          <a:lstStyle/>
+          <a:p>
+            <a:pPr algn="ctr"/>
+            <a:endParaRPr lang="en-PH" u="sng" dirty="0"/>
+          </a:p>
+        </p:txBody>
+      </p:sp>
+      <p:sp>
+        <p:nvSpPr>
+          <p:cNvPr id="2" name="Title 1">
+            <a:extLst>
+              <a:ext uri="{FF2B5EF4-FFF2-40B4-BE49-F238E27FC236}">
+                <a16:creationId xmlns:a16="http://schemas.microsoft.com/office/drawing/2014/main" id="{B6AF44C1-C096-47BF-B557-11EEA99C7AD8}"/>
+              </a:ext>
+            </a:extLst>
+          </p:cNvPr>
+          <p:cNvSpPr>
+            <a:spLocks noGrp="1"/>
+          </p:cNvSpPr>
+          <p:nvPr>
+            <p:ph type="title"/>
+          </p:nvPr>
+        </p:nvSpPr>
+        <p:spPr/>
+        <p:txBody>
+          <a:bodyPr/>
+          <a:lstStyle/>
+          <a:p>
+            <a:endParaRPr lang="en-PH" dirty="0"/>
+          </a:p>
+        </p:txBody>
+      </p:sp>
+      <p:sp>
+        <p:nvSpPr>
+          <p:cNvPr id="7" name="TextBox 6">
+            <a:extLst>
+              <a:ext uri="{FF2B5EF4-FFF2-40B4-BE49-F238E27FC236}">
+                <a16:creationId xmlns:a16="http://schemas.microsoft.com/office/drawing/2014/main" id="{2AC610A2-00FE-4BCB-9B10-44B26566F903}"/>
+              </a:ext>
+            </a:extLst>
+          </p:cNvPr>
+          <p:cNvSpPr txBox="1"/>
+          <p:nvPr/>
+        </p:nvSpPr>
+        <p:spPr>
+          <a:xfrm>
+            <a:off x="4117028" y="2320746"/>
+            <a:ext cx="1486994" cy="738664"/>
+          </a:xfrm>
+          <a:prstGeom prst="rect">
+            <a:avLst/>
+          </a:prstGeom>
+          <a:noFill/>
+        </p:spPr>
+        <p:txBody>
+          <a:bodyPr wrap="square" rtlCol="0">
+            <a:spAutoFit/>
+          </a:bodyPr>
+          <a:lstStyle/>
+          <a:p>
+            <a:r>
+              <a:rPr lang="en-US" sz="4200" dirty="0">
+                <a:latin typeface="Gilroy-ExtraBold" panose="00000900000000000000" pitchFamily="2" charset="0"/>
+              </a:rPr>
+              <a:t>DICE</a:t>
+            </a:r>
+            <a:endParaRPr lang="en-PH" sz="4200" dirty="0">
+              <a:latin typeface="Gilroy-ExtraBold" panose="00000900000000000000" pitchFamily="2" charset="0"/>
+            </a:endParaRPr>
+          </a:p>
+        </p:txBody>
+      </p:sp>
+      <p:pic>
+        <p:nvPicPr>
+          <p:cNvPr id="9" name="Picture 8">
+            <a:extLst>
+              <a:ext uri="{FF2B5EF4-FFF2-40B4-BE49-F238E27FC236}">
+                <a16:creationId xmlns:a16="http://schemas.microsoft.com/office/drawing/2014/main" id="{1F0B1E71-D8BF-4572-8801-F7C201498AD1}"/>
+              </a:ext>
+            </a:extLst>
+          </p:cNvPr>
+          <p:cNvPicPr>
+            <a:picLocks noChangeAspect="1"/>
+          </p:cNvPicPr>
+          <p:nvPr/>
+        </p:nvPicPr>
+        <p:blipFill>
+          <a:blip r:embed="rId2">
+            <a:extLst>
+              <a:ext uri="{28A0092B-C50C-407E-A947-70E740481C1C}">
+                <a14:useLocalDpi xmlns:a14="http://schemas.microsoft.com/office/drawing/2010/main" val="0"/>
+              </a:ext>
+            </a:extLst>
+          </a:blip>
+          <a:stretch>
+            <a:fillRect/>
+          </a:stretch>
+        </p:blipFill>
+        <p:spPr>
+          <a:xfrm>
+            <a:off x="3607991" y="2435799"/>
+            <a:ext cx="625915" cy="508555"/>
+          </a:xfrm>
+          <a:prstGeom prst="rect">
+            <a:avLst/>
+          </a:prstGeom>
+        </p:spPr>
+      </p:pic>
+      <p:sp>
+        <p:nvSpPr>
+          <p:cNvPr id="10" name="TextBox 9">
+            <a:extLst>
+              <a:ext uri="{FF2B5EF4-FFF2-40B4-BE49-F238E27FC236}">
+                <a16:creationId xmlns:a16="http://schemas.microsoft.com/office/drawing/2014/main" id="{A99C1F8B-0E43-46EF-8D4E-ED1EBDE496FD}"/>
+              </a:ext>
+            </a:extLst>
+          </p:cNvPr>
+          <p:cNvSpPr txBox="1"/>
+          <p:nvPr/>
+        </p:nvSpPr>
+        <p:spPr>
+          <a:xfrm>
+            <a:off x="2138927" y="2555425"/>
+            <a:ext cx="1684495" cy="269304"/>
+          </a:xfrm>
+          <a:prstGeom prst="rect">
+            <a:avLst/>
+          </a:prstGeom>
+          <a:noFill/>
+        </p:spPr>
+        <p:txBody>
+          <a:bodyPr wrap="square" rtlCol="0">
+            <a:spAutoFit/>
+          </a:bodyPr>
+          <a:lstStyle/>
+          <a:p>
+            <a:r>
+              <a:rPr lang="en-US" sz="1150" dirty="0">
+                <a:latin typeface="Gilroy-SemiBold" panose="00000700000000000000" pitchFamily="2" charset="0"/>
+              </a:rPr>
+              <a:t>Jerwin’s Best Games</a:t>
+            </a:r>
+            <a:endParaRPr lang="en-PH" sz="1150" dirty="0">
+              <a:latin typeface="Gilroy-SemiBold" panose="00000700000000000000" pitchFamily="2" charset="0"/>
+            </a:endParaRPr>
+          </a:p>
+        </p:txBody>
+      </p:sp>
+      <p:sp>
+        <p:nvSpPr>
+          <p:cNvPr id="14" name="Rectangle 13">
+            <a:extLst>
+              <a:ext uri="{FF2B5EF4-FFF2-40B4-BE49-F238E27FC236}">
+                <a16:creationId xmlns:a16="http://schemas.microsoft.com/office/drawing/2014/main" id="{B92251DE-5361-429F-B73C-95D9F813B1D5}"/>
+              </a:ext>
+            </a:extLst>
+          </p:cNvPr>
+          <p:cNvSpPr/>
+          <p:nvPr/>
+        </p:nvSpPr>
+        <p:spPr>
+          <a:xfrm>
+            <a:off x="5984339" y="2403589"/>
+            <a:ext cx="3303759" cy="572977"/>
+          </a:xfrm>
+          <a:prstGeom prst="rect">
+            <a:avLst/>
+          </a:prstGeom>
+          <a:solidFill>
+            <a:schemeClr val="bg1">
+              <a:alpha val="1000"/>
+            </a:schemeClr>
+          </a:solidFill>
+          <a:ln>
+            <a:noFill/>
+          </a:ln>
+        </p:spPr>
+        <p:style>
+          <a:lnRef idx="2">
+            <a:schemeClr val="accent1">
+              <a:shade val="50000"/>
+            </a:schemeClr>
+          </a:lnRef>
+          <a:fillRef idx="1">
+            <a:schemeClr val="accent1"/>
+          </a:fillRef>
+          <a:effectRef idx="0">
+            <a:schemeClr val="accent1"/>
+          </a:effectRef>
+          <a:fontRef idx="minor">
+            <a:schemeClr val="lt1"/>
+          </a:fontRef>
+        </p:style>
+        <p:txBody>
+          <a:bodyPr rtlCol="0" anchor="ctr"/>
+          <a:lstStyle/>
+          <a:p>
+            <a:pPr algn="ctr"/>
+            <a:endParaRPr lang="en-PH" u="sng" dirty="0"/>
+          </a:p>
+        </p:txBody>
+      </p:sp>
+      <p:pic>
+        <p:nvPicPr>
+          <p:cNvPr id="22" name="Picture 21">
+            <a:extLst>
+              <a:ext uri="{FF2B5EF4-FFF2-40B4-BE49-F238E27FC236}">
+                <a16:creationId xmlns:a16="http://schemas.microsoft.com/office/drawing/2014/main" id="{CFEB5BE7-722A-4C11-9053-34CEF864007B}"/>
+              </a:ext>
+            </a:extLst>
+          </p:cNvPr>
+          <p:cNvPicPr>
+            <a:picLocks noChangeAspect="1"/>
+          </p:cNvPicPr>
+          <p:nvPr/>
+        </p:nvPicPr>
+        <p:blipFill rotWithShape="1">
+          <a:blip r:embed="rId3"/>
+          <a:srcRect t="18637" r="12238" b="31104"/>
+          <a:stretch/>
+        </p:blipFill>
+        <p:spPr>
+          <a:xfrm>
+            <a:off x="6702562" y="2403589"/>
+            <a:ext cx="1867311" cy="572977"/>
+          </a:xfrm>
+          <a:prstGeom prst="rect">
+            <a:avLst/>
+          </a:prstGeom>
+        </p:spPr>
+      </p:pic>
+      <p:pic>
+        <p:nvPicPr>
+          <p:cNvPr id="30" name="Picture 29">
+            <a:extLst>
+              <a:ext uri="{FF2B5EF4-FFF2-40B4-BE49-F238E27FC236}">
+                <a16:creationId xmlns:a16="http://schemas.microsoft.com/office/drawing/2014/main" id="{9EF2FFAF-9E3D-42E0-9965-DFE47016616C}"/>
+              </a:ext>
+            </a:extLst>
+          </p:cNvPr>
+          <p:cNvPicPr>
+            <a:picLocks noChangeAspect="1"/>
+          </p:cNvPicPr>
+          <p:nvPr/>
+        </p:nvPicPr>
+        <p:blipFill rotWithShape="1">
+          <a:blip r:embed="rId4"/>
+          <a:srcRect l="930" t="18613" r="7221" b="31128"/>
+          <a:stretch/>
+        </p:blipFill>
+        <p:spPr>
+          <a:xfrm>
+            <a:off x="5984337" y="3245339"/>
+            <a:ext cx="3303760" cy="572977"/>
+          </a:xfrm>
+          <a:prstGeom prst="rect">
+            <a:avLst/>
+          </a:prstGeom>
+        </p:spPr>
+      </p:pic>
+    </p:spTree>
+    <p:extLst>
+      <p:ext uri="{BB962C8B-B14F-4D97-AF65-F5344CB8AC3E}">
+        <p14:creationId xmlns:p14="http://schemas.microsoft.com/office/powerpoint/2010/main" val="883361570"/>
+      </p:ext>
+    </p:extLst>
+  </p:cSld>
+  <p:clrMapOvr>
+    <a:masterClrMapping/>
+  </p:clrMapOvr>
+</p:sld>
+</file>
+
 <file path=ppt/theme/theme1.xml><?xml version="1.0" encoding="utf-8"?>
 <a:theme xmlns:a="http://schemas.openxmlformats.org/drawingml/2006/main" name="Office Theme">
   <a:themeElements>
